--- a/ppt 16-9/1355.与主同去.pptx
+++ b/ppt 16-9/1355.与主同去.pptx
@@ -129,7 +129,7 @@
           <p:cNvPr id="2" name="标题 1">
             <a:extLst>
               <a:ext uri="{FF2B5EF4-FFF2-40B4-BE49-F238E27FC236}">
-                <a16:creationId xmlns:a16="http://schemas.microsoft.com/office/drawing/2014/main" id="{8EEC6ED3-7F34-E4B1-4E05-5A81337FF179}"/>
+                <a16:creationId xmlns:a16="http://schemas.microsoft.com/office/drawing/2014/main" id="{44E409B2-4D3A-135F-F1D0-31A6582BD436}"/>
               </a:ext>
             </a:extLst>
           </p:cNvPr>
@@ -166,7 +166,7 @@
           <p:cNvPr id="3" name="副标题 2">
             <a:extLst>
               <a:ext uri="{FF2B5EF4-FFF2-40B4-BE49-F238E27FC236}">
-                <a16:creationId xmlns:a16="http://schemas.microsoft.com/office/drawing/2014/main" id="{F6F01803-A092-8C33-0524-8DA2BF8A77FD}"/>
+                <a16:creationId xmlns:a16="http://schemas.microsoft.com/office/drawing/2014/main" id="{7DB8BF46-D9E6-9CC5-C0FF-176036315542}"/>
               </a:ext>
             </a:extLst>
           </p:cNvPr>
@@ -236,7 +236,7 @@
           <p:cNvPr id="4" name="日期占位符 3">
             <a:extLst>
               <a:ext uri="{FF2B5EF4-FFF2-40B4-BE49-F238E27FC236}">
-                <a16:creationId xmlns:a16="http://schemas.microsoft.com/office/drawing/2014/main" id="{6459CC42-72ED-16CE-3116-B8D774A9E480}"/>
+                <a16:creationId xmlns:a16="http://schemas.microsoft.com/office/drawing/2014/main" id="{DA77AC89-8369-7520-0865-3E2D7C0DD046}"/>
               </a:ext>
             </a:extLst>
           </p:cNvPr>
@@ -252,7 +252,7 @@
           <a:bodyPr/>
           <a:lstStyle/>
           <a:p>
-            <a:fld id="{3393E0CC-3CBE-412A-BB7A-5DFDDC76F2EA}" type="datetimeFigureOut">
+            <a:fld id="{C10B1AE3-4A74-4817-A628-AD81DDF6EE8B}" type="datetimeFigureOut">
               <a:rPr lang="zh-CN" altLang="en-US" smtClean="0"/>
               <a:t>2024/3/10</a:t>
             </a:fld>
@@ -265,7 +265,7 @@
           <p:cNvPr id="5" name="页脚占位符 4">
             <a:extLst>
               <a:ext uri="{FF2B5EF4-FFF2-40B4-BE49-F238E27FC236}">
-                <a16:creationId xmlns:a16="http://schemas.microsoft.com/office/drawing/2014/main" id="{63B462D6-495B-AC13-31DD-FBE9EEFAF21D}"/>
+                <a16:creationId xmlns:a16="http://schemas.microsoft.com/office/drawing/2014/main" id="{D6F5E0A8-7145-0BAD-ED9A-C96C9FB4195C}"/>
               </a:ext>
             </a:extLst>
           </p:cNvPr>
@@ -290,7 +290,7 @@
           <p:cNvPr id="6" name="灯片编号占位符 5">
             <a:extLst>
               <a:ext uri="{FF2B5EF4-FFF2-40B4-BE49-F238E27FC236}">
-                <a16:creationId xmlns:a16="http://schemas.microsoft.com/office/drawing/2014/main" id="{FA6BB319-B471-601C-3A40-72A955ABEDA6}"/>
+                <a16:creationId xmlns:a16="http://schemas.microsoft.com/office/drawing/2014/main" id="{2063957F-35D5-E16B-5944-32D1289CE27F}"/>
               </a:ext>
             </a:extLst>
           </p:cNvPr>
@@ -306,7 +306,7 @@
           <a:bodyPr/>
           <a:lstStyle/>
           <a:p>
-            <a:fld id="{330749FE-B60C-426B-B11D-F3AFFF788C0D}" type="slidenum">
+            <a:fld id="{652274C6-BFCE-4C04-8FB8-D00D554ACF50}" type="slidenum">
               <a:rPr lang="zh-CN" altLang="en-US" smtClean="0"/>
               <a:t>‹#›</a:t>
             </a:fld>
@@ -317,7 +317,7 @@
     </p:spTree>
     <p:extLst>
       <p:ext uri="{BB962C8B-B14F-4D97-AF65-F5344CB8AC3E}">
-        <p14:creationId xmlns:p14="http://schemas.microsoft.com/office/powerpoint/2010/main" val="3188183213"/>
+        <p14:creationId xmlns:p14="http://schemas.microsoft.com/office/powerpoint/2010/main" val="98339941"/>
       </p:ext>
     </p:extLst>
   </p:cSld>
@@ -349,7 +349,7 @@
           <p:cNvPr id="2" name="标题 1">
             <a:extLst>
               <a:ext uri="{FF2B5EF4-FFF2-40B4-BE49-F238E27FC236}">
-                <a16:creationId xmlns:a16="http://schemas.microsoft.com/office/drawing/2014/main" id="{09224746-E3DF-5164-6EE9-6B9148AD3822}"/>
+                <a16:creationId xmlns:a16="http://schemas.microsoft.com/office/drawing/2014/main" id="{13D16668-65B7-E191-A5AA-67D315B91F97}"/>
               </a:ext>
             </a:extLst>
           </p:cNvPr>
@@ -377,7 +377,7 @@
           <p:cNvPr id="3" name="竖排文字占位符 2">
             <a:extLst>
               <a:ext uri="{FF2B5EF4-FFF2-40B4-BE49-F238E27FC236}">
-                <a16:creationId xmlns:a16="http://schemas.microsoft.com/office/drawing/2014/main" id="{6C2F97E1-B6CF-96C3-8747-AFDCBF3979F9}"/>
+                <a16:creationId xmlns:a16="http://schemas.microsoft.com/office/drawing/2014/main" id="{8788F2D0-8DC7-FD7F-2B2F-57206A3C14EA}"/>
               </a:ext>
             </a:extLst>
           </p:cNvPr>
@@ -434,7 +434,7 @@
           <p:cNvPr id="4" name="日期占位符 3">
             <a:extLst>
               <a:ext uri="{FF2B5EF4-FFF2-40B4-BE49-F238E27FC236}">
-                <a16:creationId xmlns:a16="http://schemas.microsoft.com/office/drawing/2014/main" id="{71B20CA9-A068-DAD4-9708-1AED662AAE37}"/>
+                <a16:creationId xmlns:a16="http://schemas.microsoft.com/office/drawing/2014/main" id="{3EF400C7-47FE-D8AE-A59D-BFD7D01D1C49}"/>
               </a:ext>
             </a:extLst>
           </p:cNvPr>
@@ -450,7 +450,7 @@
           <a:bodyPr/>
           <a:lstStyle/>
           <a:p>
-            <a:fld id="{3393E0CC-3CBE-412A-BB7A-5DFDDC76F2EA}" type="datetimeFigureOut">
+            <a:fld id="{C10B1AE3-4A74-4817-A628-AD81DDF6EE8B}" type="datetimeFigureOut">
               <a:rPr lang="zh-CN" altLang="en-US" smtClean="0"/>
               <a:t>2024/3/10</a:t>
             </a:fld>
@@ -463,7 +463,7 @@
           <p:cNvPr id="5" name="页脚占位符 4">
             <a:extLst>
               <a:ext uri="{FF2B5EF4-FFF2-40B4-BE49-F238E27FC236}">
-                <a16:creationId xmlns:a16="http://schemas.microsoft.com/office/drawing/2014/main" id="{B3085A9C-9140-0881-791B-D27740AAFB0F}"/>
+                <a16:creationId xmlns:a16="http://schemas.microsoft.com/office/drawing/2014/main" id="{994F0EE2-38F9-BB1C-471C-83090565F47F}"/>
               </a:ext>
             </a:extLst>
           </p:cNvPr>
@@ -488,7 +488,7 @@
           <p:cNvPr id="6" name="灯片编号占位符 5">
             <a:extLst>
               <a:ext uri="{FF2B5EF4-FFF2-40B4-BE49-F238E27FC236}">
-                <a16:creationId xmlns:a16="http://schemas.microsoft.com/office/drawing/2014/main" id="{3E1B7219-4599-8225-368E-49E12EAD005C}"/>
+                <a16:creationId xmlns:a16="http://schemas.microsoft.com/office/drawing/2014/main" id="{ED62290D-9E9A-8559-E341-9379E891F7C4}"/>
               </a:ext>
             </a:extLst>
           </p:cNvPr>
@@ -504,7 +504,7 @@
           <a:bodyPr/>
           <a:lstStyle/>
           <a:p>
-            <a:fld id="{330749FE-B60C-426B-B11D-F3AFFF788C0D}" type="slidenum">
+            <a:fld id="{652274C6-BFCE-4C04-8FB8-D00D554ACF50}" type="slidenum">
               <a:rPr lang="zh-CN" altLang="en-US" smtClean="0"/>
               <a:t>‹#›</a:t>
             </a:fld>
@@ -515,7 +515,7 @@
     </p:spTree>
     <p:extLst>
       <p:ext uri="{BB962C8B-B14F-4D97-AF65-F5344CB8AC3E}">
-        <p14:creationId xmlns:p14="http://schemas.microsoft.com/office/powerpoint/2010/main" val="3009947313"/>
+        <p14:creationId xmlns:p14="http://schemas.microsoft.com/office/powerpoint/2010/main" val="1707755090"/>
       </p:ext>
     </p:extLst>
   </p:cSld>
@@ -547,7 +547,7 @@
           <p:cNvPr id="2" name="竖排标题 1">
             <a:extLst>
               <a:ext uri="{FF2B5EF4-FFF2-40B4-BE49-F238E27FC236}">
-                <a16:creationId xmlns:a16="http://schemas.microsoft.com/office/drawing/2014/main" id="{7B698EB5-A22C-04B1-5ECC-B581C987ECE0}"/>
+                <a16:creationId xmlns:a16="http://schemas.microsoft.com/office/drawing/2014/main" id="{7198A51B-5D71-AF4C-E99E-8586E14036E8}"/>
               </a:ext>
             </a:extLst>
           </p:cNvPr>
@@ -580,7 +580,7 @@
           <p:cNvPr id="3" name="竖排文字占位符 2">
             <a:extLst>
               <a:ext uri="{FF2B5EF4-FFF2-40B4-BE49-F238E27FC236}">
-                <a16:creationId xmlns:a16="http://schemas.microsoft.com/office/drawing/2014/main" id="{2ABA6925-7845-2BB7-A0C0-04EA72D4CDFA}"/>
+                <a16:creationId xmlns:a16="http://schemas.microsoft.com/office/drawing/2014/main" id="{D8A2A549-106C-62A6-DA50-8621D578C60A}"/>
               </a:ext>
             </a:extLst>
           </p:cNvPr>
@@ -642,7 +642,7 @@
           <p:cNvPr id="4" name="日期占位符 3">
             <a:extLst>
               <a:ext uri="{FF2B5EF4-FFF2-40B4-BE49-F238E27FC236}">
-                <a16:creationId xmlns:a16="http://schemas.microsoft.com/office/drawing/2014/main" id="{44E6C2FF-9AAB-205D-1B13-D895FAE5BFA5}"/>
+                <a16:creationId xmlns:a16="http://schemas.microsoft.com/office/drawing/2014/main" id="{71E02177-03A2-3066-E7C5-BA1B59AEBD24}"/>
               </a:ext>
             </a:extLst>
           </p:cNvPr>
@@ -658,7 +658,7 @@
           <a:bodyPr/>
           <a:lstStyle/>
           <a:p>
-            <a:fld id="{3393E0CC-3CBE-412A-BB7A-5DFDDC76F2EA}" type="datetimeFigureOut">
+            <a:fld id="{C10B1AE3-4A74-4817-A628-AD81DDF6EE8B}" type="datetimeFigureOut">
               <a:rPr lang="zh-CN" altLang="en-US" smtClean="0"/>
               <a:t>2024/3/10</a:t>
             </a:fld>
@@ -671,7 +671,7 @@
           <p:cNvPr id="5" name="页脚占位符 4">
             <a:extLst>
               <a:ext uri="{FF2B5EF4-FFF2-40B4-BE49-F238E27FC236}">
-                <a16:creationId xmlns:a16="http://schemas.microsoft.com/office/drawing/2014/main" id="{40D97BD0-0E62-A241-20E3-6187C095A417}"/>
+                <a16:creationId xmlns:a16="http://schemas.microsoft.com/office/drawing/2014/main" id="{DAB01D32-0F31-1FFA-86CE-95997649ACA9}"/>
               </a:ext>
             </a:extLst>
           </p:cNvPr>
@@ -696,7 +696,7 @@
           <p:cNvPr id="6" name="灯片编号占位符 5">
             <a:extLst>
               <a:ext uri="{FF2B5EF4-FFF2-40B4-BE49-F238E27FC236}">
-                <a16:creationId xmlns:a16="http://schemas.microsoft.com/office/drawing/2014/main" id="{41E5B61A-39C3-BC8A-413B-CE8EB464C5F7}"/>
+                <a16:creationId xmlns:a16="http://schemas.microsoft.com/office/drawing/2014/main" id="{6A4A0A28-E42F-C63F-5A39-E9BBDC608CB1}"/>
               </a:ext>
             </a:extLst>
           </p:cNvPr>
@@ -712,7 +712,7 @@
           <a:bodyPr/>
           <a:lstStyle/>
           <a:p>
-            <a:fld id="{330749FE-B60C-426B-B11D-F3AFFF788C0D}" type="slidenum">
+            <a:fld id="{652274C6-BFCE-4C04-8FB8-D00D554ACF50}" type="slidenum">
               <a:rPr lang="zh-CN" altLang="en-US" smtClean="0"/>
               <a:t>‹#›</a:t>
             </a:fld>
@@ -723,7 +723,7 @@
     </p:spTree>
     <p:extLst>
       <p:ext uri="{BB962C8B-B14F-4D97-AF65-F5344CB8AC3E}">
-        <p14:creationId xmlns:p14="http://schemas.microsoft.com/office/powerpoint/2010/main" val="1045024824"/>
+        <p14:creationId xmlns:p14="http://schemas.microsoft.com/office/powerpoint/2010/main" val="3970591302"/>
       </p:ext>
     </p:extLst>
   </p:cSld>
@@ -755,7 +755,7 @@
           <p:cNvPr id="2" name="标题 1">
             <a:extLst>
               <a:ext uri="{FF2B5EF4-FFF2-40B4-BE49-F238E27FC236}">
-                <a16:creationId xmlns:a16="http://schemas.microsoft.com/office/drawing/2014/main" id="{AD2A53FB-E641-34AC-6E21-BC88676A0709}"/>
+                <a16:creationId xmlns:a16="http://schemas.microsoft.com/office/drawing/2014/main" id="{997606C3-7C5A-7F93-B90D-475183A499A7}"/>
               </a:ext>
             </a:extLst>
           </p:cNvPr>
@@ -783,7 +783,7 @@
           <p:cNvPr id="3" name="内容占位符 2">
             <a:extLst>
               <a:ext uri="{FF2B5EF4-FFF2-40B4-BE49-F238E27FC236}">
-                <a16:creationId xmlns:a16="http://schemas.microsoft.com/office/drawing/2014/main" id="{B4382CDB-0C22-5F4F-A769-199A852CC190}"/>
+                <a16:creationId xmlns:a16="http://schemas.microsoft.com/office/drawing/2014/main" id="{A4AE398C-072F-6D02-EEF2-DAA5D74CA62D}"/>
               </a:ext>
             </a:extLst>
           </p:cNvPr>
@@ -840,7 +840,7 @@
           <p:cNvPr id="4" name="日期占位符 3">
             <a:extLst>
               <a:ext uri="{FF2B5EF4-FFF2-40B4-BE49-F238E27FC236}">
-                <a16:creationId xmlns:a16="http://schemas.microsoft.com/office/drawing/2014/main" id="{DB423330-95ED-D7F5-C541-12363C8ED42B}"/>
+                <a16:creationId xmlns:a16="http://schemas.microsoft.com/office/drawing/2014/main" id="{1812A696-8F2D-6604-F76B-DDBE93675DD5}"/>
               </a:ext>
             </a:extLst>
           </p:cNvPr>
@@ -856,7 +856,7 @@
           <a:bodyPr/>
           <a:lstStyle/>
           <a:p>
-            <a:fld id="{3393E0CC-3CBE-412A-BB7A-5DFDDC76F2EA}" type="datetimeFigureOut">
+            <a:fld id="{C10B1AE3-4A74-4817-A628-AD81DDF6EE8B}" type="datetimeFigureOut">
               <a:rPr lang="zh-CN" altLang="en-US" smtClean="0"/>
               <a:t>2024/3/10</a:t>
             </a:fld>
@@ -869,7 +869,7 @@
           <p:cNvPr id="5" name="页脚占位符 4">
             <a:extLst>
               <a:ext uri="{FF2B5EF4-FFF2-40B4-BE49-F238E27FC236}">
-                <a16:creationId xmlns:a16="http://schemas.microsoft.com/office/drawing/2014/main" id="{4BA45A76-F62D-BDA0-D56F-B30279DA0BEE}"/>
+                <a16:creationId xmlns:a16="http://schemas.microsoft.com/office/drawing/2014/main" id="{3598A76F-9284-0C01-477A-0C443F4BE241}"/>
               </a:ext>
             </a:extLst>
           </p:cNvPr>
@@ -894,7 +894,7 @@
           <p:cNvPr id="6" name="灯片编号占位符 5">
             <a:extLst>
               <a:ext uri="{FF2B5EF4-FFF2-40B4-BE49-F238E27FC236}">
-                <a16:creationId xmlns:a16="http://schemas.microsoft.com/office/drawing/2014/main" id="{E353C5C0-A3C5-7CFE-E32F-4B1BD280A51B}"/>
+                <a16:creationId xmlns:a16="http://schemas.microsoft.com/office/drawing/2014/main" id="{303DF3B6-50DA-C4A4-EE1C-B1A481461D53}"/>
               </a:ext>
             </a:extLst>
           </p:cNvPr>
@@ -910,7 +910,7 @@
           <a:bodyPr/>
           <a:lstStyle/>
           <a:p>
-            <a:fld id="{330749FE-B60C-426B-B11D-F3AFFF788C0D}" type="slidenum">
+            <a:fld id="{652274C6-BFCE-4C04-8FB8-D00D554ACF50}" type="slidenum">
               <a:rPr lang="zh-CN" altLang="en-US" smtClean="0"/>
               <a:t>‹#›</a:t>
             </a:fld>
@@ -921,7 +921,7 @@
     </p:spTree>
     <p:extLst>
       <p:ext uri="{BB962C8B-B14F-4D97-AF65-F5344CB8AC3E}">
-        <p14:creationId xmlns:p14="http://schemas.microsoft.com/office/powerpoint/2010/main" val="1966429260"/>
+        <p14:creationId xmlns:p14="http://schemas.microsoft.com/office/powerpoint/2010/main" val="3220278034"/>
       </p:ext>
     </p:extLst>
   </p:cSld>
@@ -953,7 +953,7 @@
           <p:cNvPr id="2" name="标题 1">
             <a:extLst>
               <a:ext uri="{FF2B5EF4-FFF2-40B4-BE49-F238E27FC236}">
-                <a16:creationId xmlns:a16="http://schemas.microsoft.com/office/drawing/2014/main" id="{8720DE2D-C240-FF88-CEC9-939B5D127A81}"/>
+                <a16:creationId xmlns:a16="http://schemas.microsoft.com/office/drawing/2014/main" id="{F130E03A-CCF3-7466-F234-1FF30AD83A63}"/>
               </a:ext>
             </a:extLst>
           </p:cNvPr>
@@ -990,7 +990,7 @@
           <p:cNvPr id="3" name="文本占位符 2">
             <a:extLst>
               <a:ext uri="{FF2B5EF4-FFF2-40B4-BE49-F238E27FC236}">
-                <a16:creationId xmlns:a16="http://schemas.microsoft.com/office/drawing/2014/main" id="{F3DB595D-4A35-8D7C-82BD-2983A6AA7E55}"/>
+                <a16:creationId xmlns:a16="http://schemas.microsoft.com/office/drawing/2014/main" id="{289B3E6E-667A-6F19-8288-6BD3161AC224}"/>
               </a:ext>
             </a:extLst>
           </p:cNvPr>
@@ -1115,7 +1115,7 @@
           <p:cNvPr id="4" name="日期占位符 3">
             <a:extLst>
               <a:ext uri="{FF2B5EF4-FFF2-40B4-BE49-F238E27FC236}">
-                <a16:creationId xmlns:a16="http://schemas.microsoft.com/office/drawing/2014/main" id="{57CED8DD-A30C-22F3-3CAB-59F76B96E4A3}"/>
+                <a16:creationId xmlns:a16="http://schemas.microsoft.com/office/drawing/2014/main" id="{D2B8164F-CE08-9112-5600-EE130B0F1350}"/>
               </a:ext>
             </a:extLst>
           </p:cNvPr>
@@ -1131,7 +1131,7 @@
           <a:bodyPr/>
           <a:lstStyle/>
           <a:p>
-            <a:fld id="{3393E0CC-3CBE-412A-BB7A-5DFDDC76F2EA}" type="datetimeFigureOut">
+            <a:fld id="{C10B1AE3-4A74-4817-A628-AD81DDF6EE8B}" type="datetimeFigureOut">
               <a:rPr lang="zh-CN" altLang="en-US" smtClean="0"/>
               <a:t>2024/3/10</a:t>
             </a:fld>
@@ -1144,7 +1144,7 @@
           <p:cNvPr id="5" name="页脚占位符 4">
             <a:extLst>
               <a:ext uri="{FF2B5EF4-FFF2-40B4-BE49-F238E27FC236}">
-                <a16:creationId xmlns:a16="http://schemas.microsoft.com/office/drawing/2014/main" id="{48CB736B-CE8C-F55F-8A0A-5D8CA28DCB4E}"/>
+                <a16:creationId xmlns:a16="http://schemas.microsoft.com/office/drawing/2014/main" id="{CA90A201-B5C7-1CAB-E89B-E0497EEE0986}"/>
               </a:ext>
             </a:extLst>
           </p:cNvPr>
@@ -1169,7 +1169,7 @@
           <p:cNvPr id="6" name="灯片编号占位符 5">
             <a:extLst>
               <a:ext uri="{FF2B5EF4-FFF2-40B4-BE49-F238E27FC236}">
-                <a16:creationId xmlns:a16="http://schemas.microsoft.com/office/drawing/2014/main" id="{058E67DF-2F76-F7AB-A830-2CC4FBC83AC7}"/>
+                <a16:creationId xmlns:a16="http://schemas.microsoft.com/office/drawing/2014/main" id="{795776E4-6BCE-848E-0930-DFA956D672FA}"/>
               </a:ext>
             </a:extLst>
           </p:cNvPr>
@@ -1185,7 +1185,7 @@
           <a:bodyPr/>
           <a:lstStyle/>
           <a:p>
-            <a:fld id="{330749FE-B60C-426B-B11D-F3AFFF788C0D}" type="slidenum">
+            <a:fld id="{652274C6-BFCE-4C04-8FB8-D00D554ACF50}" type="slidenum">
               <a:rPr lang="zh-CN" altLang="en-US" smtClean="0"/>
               <a:t>‹#›</a:t>
             </a:fld>
@@ -1196,7 +1196,7 @@
     </p:spTree>
     <p:extLst>
       <p:ext uri="{BB962C8B-B14F-4D97-AF65-F5344CB8AC3E}">
-        <p14:creationId xmlns:p14="http://schemas.microsoft.com/office/powerpoint/2010/main" val="1260346234"/>
+        <p14:creationId xmlns:p14="http://schemas.microsoft.com/office/powerpoint/2010/main" val="3068244053"/>
       </p:ext>
     </p:extLst>
   </p:cSld>
@@ -1228,7 +1228,7 @@
           <p:cNvPr id="2" name="标题 1">
             <a:extLst>
               <a:ext uri="{FF2B5EF4-FFF2-40B4-BE49-F238E27FC236}">
-                <a16:creationId xmlns:a16="http://schemas.microsoft.com/office/drawing/2014/main" id="{A3C1ECC0-6309-59EE-E43D-28F30AA3F1D2}"/>
+                <a16:creationId xmlns:a16="http://schemas.microsoft.com/office/drawing/2014/main" id="{D0555316-AFE9-992D-1CB6-D0D7A6C364D0}"/>
               </a:ext>
             </a:extLst>
           </p:cNvPr>
@@ -1256,7 +1256,7 @@
           <p:cNvPr id="3" name="内容占位符 2">
             <a:extLst>
               <a:ext uri="{FF2B5EF4-FFF2-40B4-BE49-F238E27FC236}">
-                <a16:creationId xmlns:a16="http://schemas.microsoft.com/office/drawing/2014/main" id="{4F44AE26-1693-087D-EE63-13D35011CD1B}"/>
+                <a16:creationId xmlns:a16="http://schemas.microsoft.com/office/drawing/2014/main" id="{D0BA4D9E-C3F4-1358-A9E7-43D439DF9B0C}"/>
               </a:ext>
             </a:extLst>
           </p:cNvPr>
@@ -1318,7 +1318,7 @@
           <p:cNvPr id="4" name="内容占位符 3">
             <a:extLst>
               <a:ext uri="{FF2B5EF4-FFF2-40B4-BE49-F238E27FC236}">
-                <a16:creationId xmlns:a16="http://schemas.microsoft.com/office/drawing/2014/main" id="{6BADB486-DF94-C6B7-09B7-DFB7D140E149}"/>
+                <a16:creationId xmlns:a16="http://schemas.microsoft.com/office/drawing/2014/main" id="{3F3150B7-2BF1-6438-5E29-8E64D3E39E5A}"/>
               </a:ext>
             </a:extLst>
           </p:cNvPr>
@@ -1380,7 +1380,7 @@
           <p:cNvPr id="5" name="日期占位符 4">
             <a:extLst>
               <a:ext uri="{FF2B5EF4-FFF2-40B4-BE49-F238E27FC236}">
-                <a16:creationId xmlns:a16="http://schemas.microsoft.com/office/drawing/2014/main" id="{F43AC8EC-FC93-7277-0D89-02C5FA3D0F3E}"/>
+                <a16:creationId xmlns:a16="http://schemas.microsoft.com/office/drawing/2014/main" id="{18E3BC6F-C246-F858-337F-6079B0D16CAF}"/>
               </a:ext>
             </a:extLst>
           </p:cNvPr>
@@ -1396,7 +1396,7 @@
           <a:bodyPr/>
           <a:lstStyle/>
           <a:p>
-            <a:fld id="{3393E0CC-3CBE-412A-BB7A-5DFDDC76F2EA}" type="datetimeFigureOut">
+            <a:fld id="{C10B1AE3-4A74-4817-A628-AD81DDF6EE8B}" type="datetimeFigureOut">
               <a:rPr lang="zh-CN" altLang="en-US" smtClean="0"/>
               <a:t>2024/3/10</a:t>
             </a:fld>
@@ -1409,7 +1409,7 @@
           <p:cNvPr id="6" name="页脚占位符 5">
             <a:extLst>
               <a:ext uri="{FF2B5EF4-FFF2-40B4-BE49-F238E27FC236}">
-                <a16:creationId xmlns:a16="http://schemas.microsoft.com/office/drawing/2014/main" id="{AEF299C8-BD2E-96B9-4855-18EEF9E54C90}"/>
+                <a16:creationId xmlns:a16="http://schemas.microsoft.com/office/drawing/2014/main" id="{EE263F23-1F68-CF96-2C6B-AB74843FBA43}"/>
               </a:ext>
             </a:extLst>
           </p:cNvPr>
@@ -1434,7 +1434,7 @@
           <p:cNvPr id="7" name="灯片编号占位符 6">
             <a:extLst>
               <a:ext uri="{FF2B5EF4-FFF2-40B4-BE49-F238E27FC236}">
-                <a16:creationId xmlns:a16="http://schemas.microsoft.com/office/drawing/2014/main" id="{2580AF4C-0279-BE5D-0256-BC1B63397635}"/>
+                <a16:creationId xmlns:a16="http://schemas.microsoft.com/office/drawing/2014/main" id="{7D787E23-4AAC-1363-C1BB-9557D1344683}"/>
               </a:ext>
             </a:extLst>
           </p:cNvPr>
@@ -1450,7 +1450,7 @@
           <a:bodyPr/>
           <a:lstStyle/>
           <a:p>
-            <a:fld id="{330749FE-B60C-426B-B11D-F3AFFF788C0D}" type="slidenum">
+            <a:fld id="{652274C6-BFCE-4C04-8FB8-D00D554ACF50}" type="slidenum">
               <a:rPr lang="zh-CN" altLang="en-US" smtClean="0"/>
               <a:t>‹#›</a:t>
             </a:fld>
@@ -1461,7 +1461,7 @@
     </p:spTree>
     <p:extLst>
       <p:ext uri="{BB962C8B-B14F-4D97-AF65-F5344CB8AC3E}">
-        <p14:creationId xmlns:p14="http://schemas.microsoft.com/office/powerpoint/2010/main" val="3879190333"/>
+        <p14:creationId xmlns:p14="http://schemas.microsoft.com/office/powerpoint/2010/main" val="3562252195"/>
       </p:ext>
     </p:extLst>
   </p:cSld>
@@ -1493,7 +1493,7 @@
           <p:cNvPr id="2" name="标题 1">
             <a:extLst>
               <a:ext uri="{FF2B5EF4-FFF2-40B4-BE49-F238E27FC236}">
-                <a16:creationId xmlns:a16="http://schemas.microsoft.com/office/drawing/2014/main" id="{A0887120-8958-9A56-A11E-9511B359C836}"/>
+                <a16:creationId xmlns:a16="http://schemas.microsoft.com/office/drawing/2014/main" id="{E42595E4-D270-5DCD-2CE2-158C9A4DB539}"/>
               </a:ext>
             </a:extLst>
           </p:cNvPr>
@@ -1526,7 +1526,7 @@
           <p:cNvPr id="3" name="文本占位符 2">
             <a:extLst>
               <a:ext uri="{FF2B5EF4-FFF2-40B4-BE49-F238E27FC236}">
-                <a16:creationId xmlns:a16="http://schemas.microsoft.com/office/drawing/2014/main" id="{5183D4E3-9E8B-F420-87B1-6F926842D543}"/>
+                <a16:creationId xmlns:a16="http://schemas.microsoft.com/office/drawing/2014/main" id="{07981592-3EFF-5074-C32D-7CF8E557157B}"/>
               </a:ext>
             </a:extLst>
           </p:cNvPr>
@@ -1597,7 +1597,7 @@
           <p:cNvPr id="4" name="内容占位符 3">
             <a:extLst>
               <a:ext uri="{FF2B5EF4-FFF2-40B4-BE49-F238E27FC236}">
-                <a16:creationId xmlns:a16="http://schemas.microsoft.com/office/drawing/2014/main" id="{AB5D9932-A5B1-AAEB-3AE2-484F1C231BC8}"/>
+                <a16:creationId xmlns:a16="http://schemas.microsoft.com/office/drawing/2014/main" id="{B76C0A24-C8A0-BC8A-7F5C-556E130B10CD}"/>
               </a:ext>
             </a:extLst>
           </p:cNvPr>
@@ -1659,7 +1659,7 @@
           <p:cNvPr id="5" name="文本占位符 4">
             <a:extLst>
               <a:ext uri="{FF2B5EF4-FFF2-40B4-BE49-F238E27FC236}">
-                <a16:creationId xmlns:a16="http://schemas.microsoft.com/office/drawing/2014/main" id="{016CF632-B97E-8EAA-B186-107DB49064EF}"/>
+                <a16:creationId xmlns:a16="http://schemas.microsoft.com/office/drawing/2014/main" id="{C0663485-44E2-8A03-1FE5-EF0806C2B39E}"/>
               </a:ext>
             </a:extLst>
           </p:cNvPr>
@@ -1730,7 +1730,7 @@
           <p:cNvPr id="6" name="内容占位符 5">
             <a:extLst>
               <a:ext uri="{FF2B5EF4-FFF2-40B4-BE49-F238E27FC236}">
-                <a16:creationId xmlns:a16="http://schemas.microsoft.com/office/drawing/2014/main" id="{AC3CB470-3651-AC96-E8F9-ED2A4F354108}"/>
+                <a16:creationId xmlns:a16="http://schemas.microsoft.com/office/drawing/2014/main" id="{27EA6B28-876E-B7F7-6A31-81200F5B353C}"/>
               </a:ext>
             </a:extLst>
           </p:cNvPr>
@@ -1792,7 +1792,7 @@
           <p:cNvPr id="7" name="日期占位符 6">
             <a:extLst>
               <a:ext uri="{FF2B5EF4-FFF2-40B4-BE49-F238E27FC236}">
-                <a16:creationId xmlns:a16="http://schemas.microsoft.com/office/drawing/2014/main" id="{747114D8-0B5F-3AFC-53A4-2CC35CCAF231}"/>
+                <a16:creationId xmlns:a16="http://schemas.microsoft.com/office/drawing/2014/main" id="{D6D23017-8BCA-EF7B-B62D-C1CFB187C9E3}"/>
               </a:ext>
             </a:extLst>
           </p:cNvPr>
@@ -1808,7 +1808,7 @@
           <a:bodyPr/>
           <a:lstStyle/>
           <a:p>
-            <a:fld id="{3393E0CC-3CBE-412A-BB7A-5DFDDC76F2EA}" type="datetimeFigureOut">
+            <a:fld id="{C10B1AE3-4A74-4817-A628-AD81DDF6EE8B}" type="datetimeFigureOut">
               <a:rPr lang="zh-CN" altLang="en-US" smtClean="0"/>
               <a:t>2024/3/10</a:t>
             </a:fld>
@@ -1821,7 +1821,7 @@
           <p:cNvPr id="8" name="页脚占位符 7">
             <a:extLst>
               <a:ext uri="{FF2B5EF4-FFF2-40B4-BE49-F238E27FC236}">
-                <a16:creationId xmlns:a16="http://schemas.microsoft.com/office/drawing/2014/main" id="{3EF59486-7795-A30F-0311-F975AE6DE26D}"/>
+                <a16:creationId xmlns:a16="http://schemas.microsoft.com/office/drawing/2014/main" id="{F881740D-896D-E07A-6BA1-B322922B3177}"/>
               </a:ext>
             </a:extLst>
           </p:cNvPr>
@@ -1846,7 +1846,7 @@
           <p:cNvPr id="9" name="灯片编号占位符 8">
             <a:extLst>
               <a:ext uri="{FF2B5EF4-FFF2-40B4-BE49-F238E27FC236}">
-                <a16:creationId xmlns:a16="http://schemas.microsoft.com/office/drawing/2014/main" id="{1EDFF103-65B6-BD13-4ACA-3DC699B24D99}"/>
+                <a16:creationId xmlns:a16="http://schemas.microsoft.com/office/drawing/2014/main" id="{7F76D16F-A364-CA7D-B174-52DFED2DA81E}"/>
               </a:ext>
             </a:extLst>
           </p:cNvPr>
@@ -1862,7 +1862,7 @@
           <a:bodyPr/>
           <a:lstStyle/>
           <a:p>
-            <a:fld id="{330749FE-B60C-426B-B11D-F3AFFF788C0D}" type="slidenum">
+            <a:fld id="{652274C6-BFCE-4C04-8FB8-D00D554ACF50}" type="slidenum">
               <a:rPr lang="zh-CN" altLang="en-US" smtClean="0"/>
               <a:t>‹#›</a:t>
             </a:fld>
@@ -1873,7 +1873,7 @@
     </p:spTree>
     <p:extLst>
       <p:ext uri="{BB962C8B-B14F-4D97-AF65-F5344CB8AC3E}">
-        <p14:creationId xmlns:p14="http://schemas.microsoft.com/office/powerpoint/2010/main" val="3258217869"/>
+        <p14:creationId xmlns:p14="http://schemas.microsoft.com/office/powerpoint/2010/main" val="795267922"/>
       </p:ext>
     </p:extLst>
   </p:cSld>
@@ -1905,7 +1905,7 @@
           <p:cNvPr id="2" name="标题 1">
             <a:extLst>
               <a:ext uri="{FF2B5EF4-FFF2-40B4-BE49-F238E27FC236}">
-                <a16:creationId xmlns:a16="http://schemas.microsoft.com/office/drawing/2014/main" id="{33C775CA-A192-0EEA-AE57-5EB3B82782E9}"/>
+                <a16:creationId xmlns:a16="http://schemas.microsoft.com/office/drawing/2014/main" id="{68B7E911-01B3-F23C-DE8A-975AD968C97D}"/>
               </a:ext>
             </a:extLst>
           </p:cNvPr>
@@ -1933,7 +1933,7 @@
           <p:cNvPr id="3" name="日期占位符 2">
             <a:extLst>
               <a:ext uri="{FF2B5EF4-FFF2-40B4-BE49-F238E27FC236}">
-                <a16:creationId xmlns:a16="http://schemas.microsoft.com/office/drawing/2014/main" id="{0A919439-FC5B-8702-D2C3-1F8679B984B7}"/>
+                <a16:creationId xmlns:a16="http://schemas.microsoft.com/office/drawing/2014/main" id="{66C3B349-D2F3-9A10-81F5-8CC2A824858C}"/>
               </a:ext>
             </a:extLst>
           </p:cNvPr>
@@ -1949,7 +1949,7 @@
           <a:bodyPr/>
           <a:lstStyle/>
           <a:p>
-            <a:fld id="{3393E0CC-3CBE-412A-BB7A-5DFDDC76F2EA}" type="datetimeFigureOut">
+            <a:fld id="{C10B1AE3-4A74-4817-A628-AD81DDF6EE8B}" type="datetimeFigureOut">
               <a:rPr lang="zh-CN" altLang="en-US" smtClean="0"/>
               <a:t>2024/3/10</a:t>
             </a:fld>
@@ -1962,7 +1962,7 @@
           <p:cNvPr id="4" name="页脚占位符 3">
             <a:extLst>
               <a:ext uri="{FF2B5EF4-FFF2-40B4-BE49-F238E27FC236}">
-                <a16:creationId xmlns:a16="http://schemas.microsoft.com/office/drawing/2014/main" id="{F5832CBC-5E77-991A-B921-62AB18998522}"/>
+                <a16:creationId xmlns:a16="http://schemas.microsoft.com/office/drawing/2014/main" id="{16D55568-E087-5ED3-8EB8-1C33078E84FE}"/>
               </a:ext>
             </a:extLst>
           </p:cNvPr>
@@ -1987,7 +1987,7 @@
           <p:cNvPr id="5" name="灯片编号占位符 4">
             <a:extLst>
               <a:ext uri="{FF2B5EF4-FFF2-40B4-BE49-F238E27FC236}">
-                <a16:creationId xmlns:a16="http://schemas.microsoft.com/office/drawing/2014/main" id="{0B6A7DA3-E70D-C1D6-2467-756D39164CFB}"/>
+                <a16:creationId xmlns:a16="http://schemas.microsoft.com/office/drawing/2014/main" id="{44FE64B5-68CA-938C-F17A-1EDD198E2D35}"/>
               </a:ext>
             </a:extLst>
           </p:cNvPr>
@@ -2003,7 +2003,7 @@
           <a:bodyPr/>
           <a:lstStyle/>
           <a:p>
-            <a:fld id="{330749FE-B60C-426B-B11D-F3AFFF788C0D}" type="slidenum">
+            <a:fld id="{652274C6-BFCE-4C04-8FB8-D00D554ACF50}" type="slidenum">
               <a:rPr lang="zh-CN" altLang="en-US" smtClean="0"/>
               <a:t>‹#›</a:t>
             </a:fld>
@@ -2014,7 +2014,7 @@
     </p:spTree>
     <p:extLst>
       <p:ext uri="{BB962C8B-B14F-4D97-AF65-F5344CB8AC3E}">
-        <p14:creationId xmlns:p14="http://schemas.microsoft.com/office/powerpoint/2010/main" val="511996610"/>
+        <p14:creationId xmlns:p14="http://schemas.microsoft.com/office/powerpoint/2010/main" val="2826945951"/>
       </p:ext>
     </p:extLst>
   </p:cSld>
@@ -2046,7 +2046,7 @@
           <p:cNvPr id="2" name="日期占位符 1">
             <a:extLst>
               <a:ext uri="{FF2B5EF4-FFF2-40B4-BE49-F238E27FC236}">
-                <a16:creationId xmlns:a16="http://schemas.microsoft.com/office/drawing/2014/main" id="{697F676D-71DE-48F8-6DA3-6D65840CEF0D}"/>
+                <a16:creationId xmlns:a16="http://schemas.microsoft.com/office/drawing/2014/main" id="{804F1B4E-D6E1-5595-0D64-AAF7C07D87EC}"/>
               </a:ext>
             </a:extLst>
           </p:cNvPr>
@@ -2062,7 +2062,7 @@
           <a:bodyPr/>
           <a:lstStyle/>
           <a:p>
-            <a:fld id="{3393E0CC-3CBE-412A-BB7A-5DFDDC76F2EA}" type="datetimeFigureOut">
+            <a:fld id="{C10B1AE3-4A74-4817-A628-AD81DDF6EE8B}" type="datetimeFigureOut">
               <a:rPr lang="zh-CN" altLang="en-US" smtClean="0"/>
               <a:t>2024/3/10</a:t>
             </a:fld>
@@ -2075,7 +2075,7 @@
           <p:cNvPr id="3" name="页脚占位符 2">
             <a:extLst>
               <a:ext uri="{FF2B5EF4-FFF2-40B4-BE49-F238E27FC236}">
-                <a16:creationId xmlns:a16="http://schemas.microsoft.com/office/drawing/2014/main" id="{60CB0D75-71E5-35CD-3EE5-77619DF1EBDF}"/>
+                <a16:creationId xmlns:a16="http://schemas.microsoft.com/office/drawing/2014/main" id="{FC02FBB8-C504-5D07-F91E-07896A95BA90}"/>
               </a:ext>
             </a:extLst>
           </p:cNvPr>
@@ -2100,7 +2100,7 @@
           <p:cNvPr id="4" name="灯片编号占位符 3">
             <a:extLst>
               <a:ext uri="{FF2B5EF4-FFF2-40B4-BE49-F238E27FC236}">
-                <a16:creationId xmlns:a16="http://schemas.microsoft.com/office/drawing/2014/main" id="{42D04CD8-D776-9A91-C811-79256A6E9E06}"/>
+                <a16:creationId xmlns:a16="http://schemas.microsoft.com/office/drawing/2014/main" id="{04DB48A8-1C39-F6D4-793C-3FA89437A0C1}"/>
               </a:ext>
             </a:extLst>
           </p:cNvPr>
@@ -2116,7 +2116,7 @@
           <a:bodyPr/>
           <a:lstStyle/>
           <a:p>
-            <a:fld id="{330749FE-B60C-426B-B11D-F3AFFF788C0D}" type="slidenum">
+            <a:fld id="{652274C6-BFCE-4C04-8FB8-D00D554ACF50}" type="slidenum">
               <a:rPr lang="zh-CN" altLang="en-US" smtClean="0"/>
               <a:t>‹#›</a:t>
             </a:fld>
@@ -2127,7 +2127,7 @@
     </p:spTree>
     <p:extLst>
       <p:ext uri="{BB962C8B-B14F-4D97-AF65-F5344CB8AC3E}">
-        <p14:creationId xmlns:p14="http://schemas.microsoft.com/office/powerpoint/2010/main" val="125326688"/>
+        <p14:creationId xmlns:p14="http://schemas.microsoft.com/office/powerpoint/2010/main" val="3453326376"/>
       </p:ext>
     </p:extLst>
   </p:cSld>
@@ -2159,7 +2159,7 @@
           <p:cNvPr id="2" name="标题 1">
             <a:extLst>
               <a:ext uri="{FF2B5EF4-FFF2-40B4-BE49-F238E27FC236}">
-                <a16:creationId xmlns:a16="http://schemas.microsoft.com/office/drawing/2014/main" id="{B5B92EE4-24A6-8826-DF63-A2F64534FA45}"/>
+                <a16:creationId xmlns:a16="http://schemas.microsoft.com/office/drawing/2014/main" id="{C6889EF8-F6AD-F6CA-8162-6E791668330E}"/>
               </a:ext>
             </a:extLst>
           </p:cNvPr>
@@ -2196,7 +2196,7 @@
           <p:cNvPr id="3" name="内容占位符 2">
             <a:extLst>
               <a:ext uri="{FF2B5EF4-FFF2-40B4-BE49-F238E27FC236}">
-                <a16:creationId xmlns:a16="http://schemas.microsoft.com/office/drawing/2014/main" id="{A7D1A49F-DB0E-A553-29B6-B5EBB4162BA4}"/>
+                <a16:creationId xmlns:a16="http://schemas.microsoft.com/office/drawing/2014/main" id="{D3F0E7D5-7693-BB71-B0E8-F7116B5C4CF0}"/>
               </a:ext>
             </a:extLst>
           </p:cNvPr>
@@ -2286,7 +2286,7 @@
           <p:cNvPr id="4" name="文本占位符 3">
             <a:extLst>
               <a:ext uri="{FF2B5EF4-FFF2-40B4-BE49-F238E27FC236}">
-                <a16:creationId xmlns:a16="http://schemas.microsoft.com/office/drawing/2014/main" id="{91B7B904-3EDB-AF9F-FE23-B33B63F6CE28}"/>
+                <a16:creationId xmlns:a16="http://schemas.microsoft.com/office/drawing/2014/main" id="{F2CF034B-1CDE-D7FD-975E-33315E167790}"/>
               </a:ext>
             </a:extLst>
           </p:cNvPr>
@@ -2357,7 +2357,7 @@
           <p:cNvPr id="5" name="日期占位符 4">
             <a:extLst>
               <a:ext uri="{FF2B5EF4-FFF2-40B4-BE49-F238E27FC236}">
-                <a16:creationId xmlns:a16="http://schemas.microsoft.com/office/drawing/2014/main" id="{53FE5B6B-12D9-6C00-33FA-2DF7A6F45FEA}"/>
+                <a16:creationId xmlns:a16="http://schemas.microsoft.com/office/drawing/2014/main" id="{2EFCAB07-188B-EB7E-C769-4C8B3EA9EF51}"/>
               </a:ext>
             </a:extLst>
           </p:cNvPr>
@@ -2373,7 +2373,7 @@
           <a:bodyPr/>
           <a:lstStyle/>
           <a:p>
-            <a:fld id="{3393E0CC-3CBE-412A-BB7A-5DFDDC76F2EA}" type="datetimeFigureOut">
+            <a:fld id="{C10B1AE3-4A74-4817-A628-AD81DDF6EE8B}" type="datetimeFigureOut">
               <a:rPr lang="zh-CN" altLang="en-US" smtClean="0"/>
               <a:t>2024/3/10</a:t>
             </a:fld>
@@ -2386,7 +2386,7 @@
           <p:cNvPr id="6" name="页脚占位符 5">
             <a:extLst>
               <a:ext uri="{FF2B5EF4-FFF2-40B4-BE49-F238E27FC236}">
-                <a16:creationId xmlns:a16="http://schemas.microsoft.com/office/drawing/2014/main" id="{801917D8-3B64-FDC3-7DBB-FCCA0590C722}"/>
+                <a16:creationId xmlns:a16="http://schemas.microsoft.com/office/drawing/2014/main" id="{EF031BCA-28B6-C4A6-3BE7-03C8B10CDCEC}"/>
               </a:ext>
             </a:extLst>
           </p:cNvPr>
@@ -2411,7 +2411,7 @@
           <p:cNvPr id="7" name="灯片编号占位符 6">
             <a:extLst>
               <a:ext uri="{FF2B5EF4-FFF2-40B4-BE49-F238E27FC236}">
-                <a16:creationId xmlns:a16="http://schemas.microsoft.com/office/drawing/2014/main" id="{22ACBF48-A4ED-1395-CFD3-B72F25AF3A52}"/>
+                <a16:creationId xmlns:a16="http://schemas.microsoft.com/office/drawing/2014/main" id="{8D1D56B2-ED53-3DF9-CFAB-C4D86AB94BFF}"/>
               </a:ext>
             </a:extLst>
           </p:cNvPr>
@@ -2427,7 +2427,7 @@
           <a:bodyPr/>
           <a:lstStyle/>
           <a:p>
-            <a:fld id="{330749FE-B60C-426B-B11D-F3AFFF788C0D}" type="slidenum">
+            <a:fld id="{652274C6-BFCE-4C04-8FB8-D00D554ACF50}" type="slidenum">
               <a:rPr lang="zh-CN" altLang="en-US" smtClean="0"/>
               <a:t>‹#›</a:t>
             </a:fld>
@@ -2438,7 +2438,7 @@
     </p:spTree>
     <p:extLst>
       <p:ext uri="{BB962C8B-B14F-4D97-AF65-F5344CB8AC3E}">
-        <p14:creationId xmlns:p14="http://schemas.microsoft.com/office/powerpoint/2010/main" val="2089605287"/>
+        <p14:creationId xmlns:p14="http://schemas.microsoft.com/office/powerpoint/2010/main" val="4142554913"/>
       </p:ext>
     </p:extLst>
   </p:cSld>
@@ -2470,7 +2470,7 @@
           <p:cNvPr id="2" name="标题 1">
             <a:extLst>
               <a:ext uri="{FF2B5EF4-FFF2-40B4-BE49-F238E27FC236}">
-                <a16:creationId xmlns:a16="http://schemas.microsoft.com/office/drawing/2014/main" id="{4D3F435F-D1F0-9F87-62B2-98A5BC11C4D9}"/>
+                <a16:creationId xmlns:a16="http://schemas.microsoft.com/office/drawing/2014/main" id="{5DDBF60F-00B4-0ACD-734E-FAC6C56298AD}"/>
               </a:ext>
             </a:extLst>
           </p:cNvPr>
@@ -2507,7 +2507,7 @@
           <p:cNvPr id="3" name="图片占位符 2">
             <a:extLst>
               <a:ext uri="{FF2B5EF4-FFF2-40B4-BE49-F238E27FC236}">
-                <a16:creationId xmlns:a16="http://schemas.microsoft.com/office/drawing/2014/main" id="{2943E7CA-1189-337A-E095-B91E1BCCE74E}"/>
+                <a16:creationId xmlns:a16="http://schemas.microsoft.com/office/drawing/2014/main" id="{57A3B696-D29E-6D93-258C-5848C2ADD2CB}"/>
               </a:ext>
             </a:extLst>
           </p:cNvPr>
@@ -2574,7 +2574,7 @@
           <p:cNvPr id="4" name="文本占位符 3">
             <a:extLst>
               <a:ext uri="{FF2B5EF4-FFF2-40B4-BE49-F238E27FC236}">
-                <a16:creationId xmlns:a16="http://schemas.microsoft.com/office/drawing/2014/main" id="{0312C08F-A5DD-9128-5D4C-67D37728D2C2}"/>
+                <a16:creationId xmlns:a16="http://schemas.microsoft.com/office/drawing/2014/main" id="{FFE42F6C-3633-4633-9351-D88E598AAF85}"/>
               </a:ext>
             </a:extLst>
           </p:cNvPr>
@@ -2645,7 +2645,7 @@
           <p:cNvPr id="5" name="日期占位符 4">
             <a:extLst>
               <a:ext uri="{FF2B5EF4-FFF2-40B4-BE49-F238E27FC236}">
-                <a16:creationId xmlns:a16="http://schemas.microsoft.com/office/drawing/2014/main" id="{EFC9F8B3-85F4-7E46-BCEF-72BBEEA25B01}"/>
+                <a16:creationId xmlns:a16="http://schemas.microsoft.com/office/drawing/2014/main" id="{A215CA34-DD30-0E4A-C6B7-D4EC7E7689AA}"/>
               </a:ext>
             </a:extLst>
           </p:cNvPr>
@@ -2661,7 +2661,7 @@
           <a:bodyPr/>
           <a:lstStyle/>
           <a:p>
-            <a:fld id="{3393E0CC-3CBE-412A-BB7A-5DFDDC76F2EA}" type="datetimeFigureOut">
+            <a:fld id="{C10B1AE3-4A74-4817-A628-AD81DDF6EE8B}" type="datetimeFigureOut">
               <a:rPr lang="zh-CN" altLang="en-US" smtClean="0"/>
               <a:t>2024/3/10</a:t>
             </a:fld>
@@ -2674,7 +2674,7 @@
           <p:cNvPr id="6" name="页脚占位符 5">
             <a:extLst>
               <a:ext uri="{FF2B5EF4-FFF2-40B4-BE49-F238E27FC236}">
-                <a16:creationId xmlns:a16="http://schemas.microsoft.com/office/drawing/2014/main" id="{0F97225B-282D-13CA-90E9-F6D6477BF9EB}"/>
+                <a16:creationId xmlns:a16="http://schemas.microsoft.com/office/drawing/2014/main" id="{C97BD7D1-F443-C29D-40FB-4FA00E74925B}"/>
               </a:ext>
             </a:extLst>
           </p:cNvPr>
@@ -2699,7 +2699,7 @@
           <p:cNvPr id="7" name="灯片编号占位符 6">
             <a:extLst>
               <a:ext uri="{FF2B5EF4-FFF2-40B4-BE49-F238E27FC236}">
-                <a16:creationId xmlns:a16="http://schemas.microsoft.com/office/drawing/2014/main" id="{E008F6F0-A29D-81AC-A8F9-EE7417B33AFB}"/>
+                <a16:creationId xmlns:a16="http://schemas.microsoft.com/office/drawing/2014/main" id="{58F98382-1FBB-F34A-F9EB-178AD30C5E77}"/>
               </a:ext>
             </a:extLst>
           </p:cNvPr>
@@ -2715,7 +2715,7 @@
           <a:bodyPr/>
           <a:lstStyle/>
           <a:p>
-            <a:fld id="{330749FE-B60C-426B-B11D-F3AFFF788C0D}" type="slidenum">
+            <a:fld id="{652274C6-BFCE-4C04-8FB8-D00D554ACF50}" type="slidenum">
               <a:rPr lang="zh-CN" altLang="en-US" smtClean="0"/>
               <a:t>‹#›</a:t>
             </a:fld>
@@ -2726,7 +2726,7 @@
     </p:spTree>
     <p:extLst>
       <p:ext uri="{BB962C8B-B14F-4D97-AF65-F5344CB8AC3E}">
-        <p14:creationId xmlns:p14="http://schemas.microsoft.com/office/powerpoint/2010/main" val="2648240318"/>
+        <p14:creationId xmlns:p14="http://schemas.microsoft.com/office/powerpoint/2010/main" val="2920252632"/>
       </p:ext>
     </p:extLst>
   </p:cSld>
@@ -2763,7 +2763,7 @@
           <p:cNvPr id="2" name="标题占位符 1">
             <a:extLst>
               <a:ext uri="{FF2B5EF4-FFF2-40B4-BE49-F238E27FC236}">
-                <a16:creationId xmlns:a16="http://schemas.microsoft.com/office/drawing/2014/main" id="{24E3F591-C43A-BAA5-46BA-10F158B7ABB1}"/>
+                <a16:creationId xmlns:a16="http://schemas.microsoft.com/office/drawing/2014/main" id="{2AACA3D0-2958-0F65-3DD7-0CB9E27A44F2}"/>
               </a:ext>
             </a:extLst>
           </p:cNvPr>
@@ -2801,7 +2801,7 @@
           <p:cNvPr id="3" name="文本占位符 2">
             <a:extLst>
               <a:ext uri="{FF2B5EF4-FFF2-40B4-BE49-F238E27FC236}">
-                <a16:creationId xmlns:a16="http://schemas.microsoft.com/office/drawing/2014/main" id="{72FD84AB-8311-FC6B-5068-F15F275A9DA5}"/>
+                <a16:creationId xmlns:a16="http://schemas.microsoft.com/office/drawing/2014/main" id="{20413C14-C2F8-9A73-36B8-497684498DFC}"/>
               </a:ext>
             </a:extLst>
           </p:cNvPr>
@@ -2868,7 +2868,7 @@
           <p:cNvPr id="4" name="日期占位符 3">
             <a:extLst>
               <a:ext uri="{FF2B5EF4-FFF2-40B4-BE49-F238E27FC236}">
-                <a16:creationId xmlns:a16="http://schemas.microsoft.com/office/drawing/2014/main" id="{2937A489-C3AA-2309-10B6-4C463634984A}"/>
+                <a16:creationId xmlns:a16="http://schemas.microsoft.com/office/drawing/2014/main" id="{75D924C9-4525-5191-F49A-F82C6053EABE}"/>
               </a:ext>
             </a:extLst>
           </p:cNvPr>
@@ -2902,7 +2902,7 @@
             </a:lvl1pPr>
           </a:lstStyle>
           <a:p>
-            <a:fld id="{3393E0CC-3CBE-412A-BB7A-5DFDDC76F2EA}" type="datetimeFigureOut">
+            <a:fld id="{C10B1AE3-4A74-4817-A628-AD81DDF6EE8B}" type="datetimeFigureOut">
               <a:rPr lang="zh-CN" altLang="en-US" smtClean="0"/>
               <a:t>2024/3/10</a:t>
             </a:fld>
@@ -2915,7 +2915,7 @@
           <p:cNvPr id="5" name="页脚占位符 4">
             <a:extLst>
               <a:ext uri="{FF2B5EF4-FFF2-40B4-BE49-F238E27FC236}">
-                <a16:creationId xmlns:a16="http://schemas.microsoft.com/office/drawing/2014/main" id="{60825609-879F-275A-E668-E239C92E3517}"/>
+                <a16:creationId xmlns:a16="http://schemas.microsoft.com/office/drawing/2014/main" id="{61CA5B78-9AFD-9B15-4D37-D5742A3E7BBA}"/>
               </a:ext>
             </a:extLst>
           </p:cNvPr>
@@ -2958,7 +2958,7 @@
           <p:cNvPr id="6" name="灯片编号占位符 5">
             <a:extLst>
               <a:ext uri="{FF2B5EF4-FFF2-40B4-BE49-F238E27FC236}">
-                <a16:creationId xmlns:a16="http://schemas.microsoft.com/office/drawing/2014/main" id="{C47020F4-8A44-C03D-7452-89972B8F26EC}"/>
+                <a16:creationId xmlns:a16="http://schemas.microsoft.com/office/drawing/2014/main" id="{6A816036-5AD7-7487-DB55-8D0665E999E8}"/>
               </a:ext>
             </a:extLst>
           </p:cNvPr>
@@ -2992,7 +2992,7 @@
             </a:lvl1pPr>
           </a:lstStyle>
           <a:p>
-            <a:fld id="{330749FE-B60C-426B-B11D-F3AFFF788C0D}" type="slidenum">
+            <a:fld id="{652274C6-BFCE-4C04-8FB8-D00D554ACF50}" type="slidenum">
               <a:rPr lang="zh-CN" altLang="en-US" smtClean="0"/>
               <a:t>‹#›</a:t>
             </a:fld>
@@ -3003,7 +3003,7 @@
     </p:spTree>
     <p:extLst>
       <p:ext uri="{BB962C8B-B14F-4D97-AF65-F5344CB8AC3E}">
-        <p14:creationId xmlns:p14="http://schemas.microsoft.com/office/powerpoint/2010/main" val="418714321"/>
+        <p14:creationId xmlns:p14="http://schemas.microsoft.com/office/powerpoint/2010/main" val="590616908"/>
       </p:ext>
     </p:extLst>
   </p:cSld>
